--- a/PhaseII/Presentation/COMPSYS701-phase2.pptx
+++ b/PhaseII/Presentation/COMPSYS701-phase2.pptx
@@ -13,6 +13,7 @@
     <p:sldId id="261" r:id="rId7"/>
     <p:sldId id="262" r:id="rId8"/>
     <p:sldId id="263" r:id="rId9"/>
+    <p:sldId id="264" r:id="rId10"/>
   </p:sldIdLst>
   <p:sldSz cx="9144000" cy="6858000" type="screen4x3"/>
   <p:notesSz cx="6858000" cy="9144000"/>
@@ -4546,6 +4547,293 @@
 </p:sld>
 </file>
 
+<file path=ppt/slides/slide9.xml><?xml version="1.0" encoding="utf-8"?>
+<p:sld xmlns:a="http://schemas.openxmlformats.org/drawingml/2006/main" xmlns:r="http://schemas.openxmlformats.org/officeDocument/2006/relationships" xmlns:p="http://schemas.openxmlformats.org/presentationml/2006/main">
+  <p:cSld>
+    <p:spTree>
+      <p:nvGrpSpPr>
+        <p:cNvPr id="1" name=""/>
+        <p:cNvGrpSpPr/>
+        <p:nvPr/>
+      </p:nvGrpSpPr>
+      <p:grpSpPr>
+        <a:xfrm>
+          <a:off x="0" y="0"/>
+          <a:ext cx="0" cy="0"/>
+          <a:chOff x="0" y="0"/>
+          <a:chExt cx="0" cy="0"/>
+        </a:xfrm>
+      </p:grpSpPr>
+      <p:sp>
+        <p:nvSpPr>
+          <p:cNvPr id="2" name="Title 1"/>
+          <p:cNvSpPr>
+            <a:spLocks noGrp="1"/>
+          </p:cNvSpPr>
+          <p:nvPr>
+            <p:ph type="title"/>
+          </p:nvPr>
+        </p:nvSpPr>
+        <p:spPr/>
+        <p:txBody>
+          <a:bodyPr>
+            <a:normAutofit/>
+          </a:bodyPr>
+          <a:lstStyle/>
+          <a:p>
+            <a:r>
+              <a:rPr lang="en-US" dirty="0" smtClean="0"/>
+              <a:t>Group Work and Hours</a:t>
+            </a:r>
+            <a:endParaRPr lang="en-NZ" dirty="0"/>
+          </a:p>
+        </p:txBody>
+      </p:sp>
+      <p:graphicFrame>
+        <p:nvGraphicFramePr>
+          <p:cNvPr id="4" name="Content Placeholder 3"/>
+          <p:cNvGraphicFramePr>
+            <a:graphicFrameLocks noGrp="1"/>
+          </p:cNvGraphicFramePr>
+          <p:nvPr>
+            <p:ph idx="1"/>
+            <p:extLst>
+              <p:ext uri="{D42A27DB-BD31-4B8C-83A1-F6EECF244321}">
+                <p14:modId xmlns:p14="http://schemas.microsoft.com/office/powerpoint/2010/main" val="3396903508"/>
+              </p:ext>
+            </p:extLst>
+          </p:nvPr>
+        </p:nvGraphicFramePr>
+        <p:xfrm>
+          <a:off x="457200" y="1935161"/>
+          <a:ext cx="8229600" cy="4023784"/>
+        </p:xfrm>
+        <a:graphic>
+          <a:graphicData uri="http://schemas.openxmlformats.org/drawingml/2006/table">
+            <a:tbl>
+              <a:tblPr firstRow="1" bandRow="1">
+                <a:tableStyleId>{5C22544A-7EE6-4342-B048-85BDC9FD1C3A}</a:tableStyleId>
+              </a:tblPr>
+              <a:tblGrid>
+                <a:gridCol w="2743200"/>
+                <a:gridCol w="2743200"/>
+                <a:gridCol w="2743200"/>
+              </a:tblGrid>
+              <a:tr h="1005946">
+                <a:tc>
+                  <a:txBody>
+                    <a:bodyPr/>
+                    <a:lstStyle/>
+                    <a:p>
+                      <a:r>
+                        <a:rPr lang="en-US" dirty="0" smtClean="0"/>
+                        <a:t>NAME</a:t>
+                      </a:r>
+                      <a:endParaRPr lang="en-NZ" dirty="0"/>
+                    </a:p>
+                  </a:txBody>
+                  <a:tcPr/>
+                </a:tc>
+                <a:tc>
+                  <a:txBody>
+                    <a:bodyPr/>
+                    <a:lstStyle/>
+                    <a:p>
+                      <a:r>
+                        <a:rPr lang="en-US" dirty="0" smtClean="0"/>
+                        <a:t>Sections worked on</a:t>
+                      </a:r>
+                      <a:endParaRPr lang="en-NZ" dirty="0"/>
+                    </a:p>
+                  </a:txBody>
+                  <a:tcPr/>
+                </a:tc>
+                <a:tc>
+                  <a:txBody>
+                    <a:bodyPr/>
+                    <a:lstStyle/>
+                    <a:p>
+                      <a:r>
+                        <a:rPr lang="en-US" dirty="0" smtClean="0"/>
+                        <a:t>Hours</a:t>
+                      </a:r>
+                      <a:endParaRPr lang="en-NZ" dirty="0"/>
+                    </a:p>
+                  </a:txBody>
+                  <a:tcPr/>
+                </a:tc>
+              </a:tr>
+              <a:tr h="1005946">
+                <a:tc>
+                  <a:txBody>
+                    <a:bodyPr/>
+                    <a:lstStyle/>
+                    <a:p>
+                      <a:r>
+                        <a:rPr lang="en-US" dirty="0" smtClean="0"/>
+                        <a:t>Endrico Bester</a:t>
+                      </a:r>
+                      <a:endParaRPr lang="en-NZ" dirty="0"/>
+                    </a:p>
+                  </a:txBody>
+                  <a:tcPr/>
+                </a:tc>
+                <a:tc>
+                  <a:txBody>
+                    <a:bodyPr/>
+                    <a:lstStyle/>
+                    <a:p>
+                      <a:r>
+                        <a:rPr lang="en-US" dirty="0" smtClean="0"/>
+                        <a:t>Component Creation,</a:t>
+                      </a:r>
+                    </a:p>
+                    <a:p>
+                      <a:r>
+                        <a:rPr lang="en-US" dirty="0" err="1" smtClean="0"/>
+                        <a:t>Datapath</a:t>
+                      </a:r>
+                      <a:r>
+                        <a:rPr lang="en-US" dirty="0" smtClean="0"/>
+                        <a:t>, Simulation</a:t>
+                      </a:r>
+                      <a:endParaRPr lang="en-NZ" dirty="0"/>
+                    </a:p>
+                  </a:txBody>
+                  <a:tcPr/>
+                </a:tc>
+                <a:tc>
+                  <a:txBody>
+                    <a:bodyPr/>
+                    <a:lstStyle/>
+                    <a:p>
+                      <a:r>
+                        <a:rPr lang="en-US" dirty="0" smtClean="0"/>
+                        <a:t>30</a:t>
+                      </a:r>
+                      <a:endParaRPr lang="en-NZ" dirty="0"/>
+                    </a:p>
+                  </a:txBody>
+                  <a:tcPr/>
+                </a:tc>
+              </a:tr>
+              <a:tr h="1005946">
+                <a:tc>
+                  <a:txBody>
+                    <a:bodyPr/>
+                    <a:lstStyle/>
+                    <a:p>
+                      <a:r>
+                        <a:rPr lang="en-US" dirty="0" err="1" smtClean="0"/>
+                        <a:t>Diwakar</a:t>
+                      </a:r>
+                      <a:r>
+                        <a:rPr lang="en-US" baseline="0" dirty="0" smtClean="0"/>
+                        <a:t> </a:t>
+                      </a:r>
+                      <a:r>
+                        <a:rPr lang="en-US" baseline="0" dirty="0" err="1" smtClean="0"/>
+                        <a:t>Somu</a:t>
+                      </a:r>
+                      <a:endParaRPr lang="en-NZ" dirty="0"/>
+                    </a:p>
+                  </a:txBody>
+                  <a:tcPr/>
+                </a:tc>
+                <a:tc>
+                  <a:txBody>
+                    <a:bodyPr/>
+                    <a:lstStyle/>
+                    <a:p>
+                      <a:r>
+                        <a:rPr lang="en-US" dirty="0" smtClean="0"/>
+                        <a:t>Component Creation,</a:t>
+                      </a:r>
+                    </a:p>
+                    <a:p>
+                      <a:r>
+                        <a:rPr lang="en-US" dirty="0" smtClean="0"/>
+                        <a:t>Synthesis, Simulation</a:t>
+                      </a:r>
+                      <a:endParaRPr lang="en-NZ" dirty="0"/>
+                    </a:p>
+                  </a:txBody>
+                  <a:tcPr/>
+                </a:tc>
+                <a:tc>
+                  <a:txBody>
+                    <a:bodyPr/>
+                    <a:lstStyle/>
+                    <a:p>
+                      <a:endParaRPr lang="en-NZ" dirty="0"/>
+                    </a:p>
+                  </a:txBody>
+                  <a:tcPr/>
+                </a:tc>
+              </a:tr>
+              <a:tr h="1005946">
+                <a:tc>
+                  <a:txBody>
+                    <a:bodyPr/>
+                    <a:lstStyle/>
+                    <a:p>
+                      <a:r>
+                        <a:rPr lang="en-US" baseline="0" dirty="0" smtClean="0"/>
+                        <a:t>Noah Miller</a:t>
+                      </a:r>
+                      <a:endParaRPr lang="en-NZ" dirty="0"/>
+                    </a:p>
+                  </a:txBody>
+                  <a:tcPr/>
+                </a:tc>
+                <a:tc>
+                  <a:txBody>
+                    <a:bodyPr/>
+                    <a:lstStyle/>
+                    <a:p>
+                      <a:r>
+                        <a:rPr lang="en-US" dirty="0" smtClean="0"/>
+                        <a:t>Component Creation,</a:t>
+                      </a:r>
+                    </a:p>
+                    <a:p>
+                      <a:r>
+                        <a:rPr lang="en-US" dirty="0" smtClean="0"/>
+                        <a:t>Control Unit</a:t>
+                      </a:r>
+                      <a:endParaRPr lang="en-NZ" dirty="0"/>
+                    </a:p>
+                  </a:txBody>
+                  <a:tcPr/>
+                </a:tc>
+                <a:tc>
+                  <a:txBody>
+                    <a:bodyPr/>
+                    <a:lstStyle/>
+                    <a:p>
+                      <a:endParaRPr lang="en-NZ" dirty="0"/>
+                    </a:p>
+                  </a:txBody>
+                  <a:tcPr/>
+                </a:tc>
+              </a:tr>
+            </a:tbl>
+          </a:graphicData>
+        </a:graphic>
+      </p:graphicFrame>
+    </p:spTree>
+    <p:extLst>
+      <p:ext uri="{BB962C8B-B14F-4D97-AF65-F5344CB8AC3E}">
+        <p14:creationId xmlns:p14="http://schemas.microsoft.com/office/powerpoint/2010/main" val="4253640635"/>
+      </p:ext>
+    </p:extLst>
+  </p:cSld>
+  <p:clrMapOvr>
+    <a:masterClrMapping/>
+  </p:clrMapOvr>
+</p:sld>
+</file>
+
 <file path=ppt/theme/theme1.xml><?xml version="1.0" encoding="utf-8"?>
 <a:theme xmlns:a="http://schemas.openxmlformats.org/drawingml/2006/main" name="Flow">
   <a:themeElements>

--- a/PhaseII/Presentation/COMPSYS701-phase2.pptx
+++ b/PhaseII/Presentation/COMPSYS701-phase2.pptx
@@ -13,7 +13,9 @@
     <p:sldId id="261" r:id="rId7"/>
     <p:sldId id="262" r:id="rId8"/>
     <p:sldId id="263" r:id="rId9"/>
-    <p:sldId id="264" r:id="rId10"/>
+    <p:sldId id="265" r:id="rId10"/>
+    <p:sldId id="266" r:id="rId11"/>
+    <p:sldId id="264" r:id="rId12"/>
   </p:sldIdLst>
   <p:sldSz cx="9144000" cy="6858000" type="screen4x3"/>
   <p:notesSz cx="6858000" cy="9144000"/>
@@ -3918,7 +3920,7 @@
 </p:sld>
 </file>
 
-<file path=ppt/slides/slide2.xml><?xml version="1.0" encoding="utf-8"?>
+<file path=ppt/slides/slide10.xml><?xml version="1.0" encoding="utf-8"?>
 <p:sld xmlns:a="http://schemas.openxmlformats.org/drawingml/2006/main" xmlns:r="http://schemas.openxmlformats.org/officeDocument/2006/relationships" xmlns:p="http://schemas.openxmlformats.org/presentationml/2006/main">
   <p:cSld>
     <p:spTree>
@@ -3954,7 +3956,7 @@
           <a:p>
             <a:r>
               <a:rPr lang="en-US" dirty="0" smtClean="0"/>
-              <a:t>Differences between Phases 1 &amp;2</a:t>
+              <a:t>Non-Blocking Future Development</a:t>
             </a:r>
             <a:endParaRPr lang="en-NZ" dirty="0"/>
           </a:p>
@@ -3975,14 +3977,48 @@
           <a:bodyPr/>
           <a:lstStyle/>
           <a:p>
-            <a:endParaRPr lang="en-NZ" dirty="0"/>
+            <a:r>
+              <a:rPr lang="en-US" dirty="0" smtClean="0"/>
+              <a:t>Adding the FIFO memory to communicate between the </a:t>
+            </a:r>
+            <a:r>
+              <a:rPr lang="en-US" dirty="0" err="1" smtClean="0"/>
+              <a:t>ReCOP</a:t>
+            </a:r>
+            <a:r>
+              <a:rPr lang="en-US" dirty="0" smtClean="0"/>
+              <a:t> and the JOP</a:t>
+            </a:r>
+          </a:p>
+          <a:p>
+            <a:endParaRPr lang="en-US" dirty="0"/>
+          </a:p>
+          <a:p>
+            <a:r>
+              <a:rPr lang="en-US" dirty="0" smtClean="0"/>
+              <a:t>Changing Control Unit to allow for correct operation</a:t>
+            </a:r>
+          </a:p>
+          <a:p>
+            <a:endParaRPr lang="en-US" dirty="0"/>
+          </a:p>
+          <a:p>
+            <a:r>
+              <a:rPr lang="en-US" dirty="0" smtClean="0"/>
+              <a:t>Writing an adequate </a:t>
+            </a:r>
+            <a:r>
+              <a:rPr lang="en-US" smtClean="0"/>
+              <a:t>testbench</a:t>
+            </a:r>
+            <a:endParaRPr lang="en-NZ"/>
           </a:p>
         </p:txBody>
       </p:sp>
     </p:spTree>
     <p:extLst>
       <p:ext uri="{BB962C8B-B14F-4D97-AF65-F5344CB8AC3E}">
-        <p14:creationId xmlns:p14="http://schemas.microsoft.com/office/powerpoint/2010/main" val="1916433675"/>
+        <p14:creationId xmlns:p14="http://schemas.microsoft.com/office/powerpoint/2010/main" val="560646838"/>
       </p:ext>
     </p:extLst>
   </p:cSld>
@@ -3992,562 +4028,7 @@
 </p:sld>
 </file>
 
-<file path=ppt/slides/slide3.xml><?xml version="1.0" encoding="utf-8"?>
-<p:sld xmlns:a="http://schemas.openxmlformats.org/drawingml/2006/main" xmlns:r="http://schemas.openxmlformats.org/officeDocument/2006/relationships" xmlns:p="http://schemas.openxmlformats.org/presentationml/2006/main">
-  <p:cSld>
-    <p:spTree>
-      <p:nvGrpSpPr>
-        <p:cNvPr id="1" name=""/>
-        <p:cNvGrpSpPr/>
-        <p:nvPr/>
-      </p:nvGrpSpPr>
-      <p:grpSpPr>
-        <a:xfrm>
-          <a:off x="0" y="0"/>
-          <a:ext cx="0" cy="0"/>
-          <a:chOff x="0" y="0"/>
-          <a:chExt cx="0" cy="0"/>
-        </a:xfrm>
-      </p:grpSpPr>
-      <p:sp>
-        <p:nvSpPr>
-          <p:cNvPr id="2" name="Title 1"/>
-          <p:cNvSpPr>
-            <a:spLocks noGrp="1"/>
-          </p:cNvSpPr>
-          <p:nvPr>
-            <p:ph type="title"/>
-          </p:nvPr>
-        </p:nvSpPr>
-        <p:spPr/>
-        <p:txBody>
-          <a:bodyPr>
-            <a:normAutofit fontScale="90000"/>
-          </a:bodyPr>
-          <a:lstStyle/>
-          <a:p>
-            <a:r>
-              <a:rPr lang="en-US" dirty="0" smtClean="0"/>
-              <a:t>Differences between </a:t>
-            </a:r>
-            <a:r>
-              <a:rPr lang="en-US" dirty="0" err="1" smtClean="0"/>
-              <a:t>SystemC</a:t>
-            </a:r>
-            <a:r>
-              <a:rPr lang="en-US" dirty="0" smtClean="0"/>
-              <a:t> and VHDL</a:t>
-            </a:r>
-            <a:endParaRPr lang="en-NZ" dirty="0"/>
-          </a:p>
-        </p:txBody>
-      </p:sp>
-      <p:sp>
-        <p:nvSpPr>
-          <p:cNvPr id="3" name="Content Placeholder 2"/>
-          <p:cNvSpPr>
-            <a:spLocks noGrp="1"/>
-          </p:cNvSpPr>
-          <p:nvPr>
-            <p:ph idx="1"/>
-          </p:nvPr>
-        </p:nvSpPr>
-        <p:spPr/>
-        <p:txBody>
-          <a:bodyPr/>
-          <a:lstStyle/>
-          <a:p>
-            <a:endParaRPr lang="en-NZ" dirty="0"/>
-          </a:p>
-        </p:txBody>
-      </p:sp>
-    </p:spTree>
-    <p:extLst>
-      <p:ext uri="{BB962C8B-B14F-4D97-AF65-F5344CB8AC3E}">
-        <p14:creationId xmlns:p14="http://schemas.microsoft.com/office/powerpoint/2010/main" val="3753341240"/>
-      </p:ext>
-    </p:extLst>
-  </p:cSld>
-  <p:clrMapOvr>
-    <a:masterClrMapping/>
-  </p:clrMapOvr>
-</p:sld>
-</file>
-
-<file path=ppt/slides/slide4.xml><?xml version="1.0" encoding="utf-8"?>
-<p:sld xmlns:a="http://schemas.openxmlformats.org/drawingml/2006/main" xmlns:r="http://schemas.openxmlformats.org/officeDocument/2006/relationships" xmlns:p="http://schemas.openxmlformats.org/presentationml/2006/main">
-  <p:cSld>
-    <p:spTree>
-      <p:nvGrpSpPr>
-        <p:cNvPr id="1" name=""/>
-        <p:cNvGrpSpPr/>
-        <p:nvPr/>
-      </p:nvGrpSpPr>
-      <p:grpSpPr>
-        <a:xfrm>
-          <a:off x="0" y="0"/>
-          <a:ext cx="0" cy="0"/>
-          <a:chOff x="0" y="0"/>
-          <a:chExt cx="0" cy="0"/>
-        </a:xfrm>
-      </p:grpSpPr>
-      <p:sp>
-        <p:nvSpPr>
-          <p:cNvPr id="2" name="Title 1"/>
-          <p:cNvSpPr>
-            <a:spLocks noGrp="1"/>
-          </p:cNvSpPr>
-          <p:nvPr>
-            <p:ph type="title"/>
-          </p:nvPr>
-        </p:nvSpPr>
-        <p:spPr/>
-        <p:txBody>
-          <a:bodyPr/>
-          <a:lstStyle/>
-          <a:p>
-            <a:r>
-              <a:rPr lang="en-US" dirty="0" err="1" smtClean="0"/>
-              <a:t>Recop</a:t>
-            </a:r>
-            <a:r>
-              <a:rPr lang="en-US" dirty="0" smtClean="0"/>
-              <a:t> Capabilities</a:t>
-            </a:r>
-            <a:endParaRPr lang="en-NZ" dirty="0"/>
-          </a:p>
-        </p:txBody>
-      </p:sp>
-      <p:sp>
-        <p:nvSpPr>
-          <p:cNvPr id="3" name="Content Placeholder 2"/>
-          <p:cNvSpPr>
-            <a:spLocks noGrp="1"/>
-          </p:cNvSpPr>
-          <p:nvPr>
-            <p:ph idx="1"/>
-          </p:nvPr>
-        </p:nvSpPr>
-        <p:spPr/>
-        <p:txBody>
-          <a:bodyPr/>
-          <a:lstStyle/>
-          <a:p>
-            <a:r>
-              <a:rPr lang="en-US" dirty="0" smtClean="0"/>
-              <a:t>Instructions relating to the ring counter</a:t>
-            </a:r>
-          </a:p>
-          <a:p>
-            <a:pPr lvl="1"/>
-            <a:r>
-              <a:rPr lang="en-US" dirty="0" smtClean="0"/>
-              <a:t>Load, ALU operations, Jump </a:t>
-            </a:r>
-            <a:r>
-              <a:rPr lang="en-US" dirty="0" err="1" smtClean="0"/>
-              <a:t>etc</a:t>
-            </a:r>
-            <a:endParaRPr lang="en-US" dirty="0" smtClean="0"/>
-          </a:p>
-          <a:p>
-            <a:endParaRPr lang="en-NZ" dirty="0"/>
-          </a:p>
-        </p:txBody>
-      </p:sp>
-    </p:spTree>
-    <p:extLst>
-      <p:ext uri="{BB962C8B-B14F-4D97-AF65-F5344CB8AC3E}">
-        <p14:creationId xmlns:p14="http://schemas.microsoft.com/office/powerpoint/2010/main" val="2622890681"/>
-      </p:ext>
-    </p:extLst>
-  </p:cSld>
-  <p:clrMapOvr>
-    <a:masterClrMapping/>
-  </p:clrMapOvr>
-</p:sld>
-</file>
-
-<file path=ppt/slides/slide5.xml><?xml version="1.0" encoding="utf-8"?>
-<p:sld xmlns:a="http://schemas.openxmlformats.org/drawingml/2006/main" xmlns:r="http://schemas.openxmlformats.org/officeDocument/2006/relationships" xmlns:p="http://schemas.openxmlformats.org/presentationml/2006/main">
-  <p:cSld>
-    <p:spTree>
-      <p:nvGrpSpPr>
-        <p:cNvPr id="1" name=""/>
-        <p:cNvGrpSpPr/>
-        <p:nvPr/>
-      </p:nvGrpSpPr>
-      <p:grpSpPr>
-        <a:xfrm>
-          <a:off x="0" y="0"/>
-          <a:ext cx="0" cy="0"/>
-          <a:chOff x="0" y="0"/>
-          <a:chExt cx="0" cy="0"/>
-        </a:xfrm>
-      </p:grpSpPr>
-      <p:sp>
-        <p:nvSpPr>
-          <p:cNvPr id="2" name="Title 1"/>
-          <p:cNvSpPr>
-            <a:spLocks noGrp="1"/>
-          </p:cNvSpPr>
-          <p:nvPr>
-            <p:ph type="title"/>
-          </p:nvPr>
-        </p:nvSpPr>
-        <p:spPr/>
-        <p:txBody>
-          <a:bodyPr>
-            <a:normAutofit/>
-          </a:bodyPr>
-          <a:lstStyle/>
-          <a:p>
-            <a:r>
-              <a:rPr lang="en-US" dirty="0" err="1" smtClean="0"/>
-              <a:t>Recop</a:t>
-            </a:r>
-            <a:r>
-              <a:rPr lang="en-US" dirty="0" smtClean="0"/>
-              <a:t> </a:t>
-            </a:r>
-            <a:r>
-              <a:rPr lang="en-US" dirty="0" err="1" smtClean="0"/>
-              <a:t>Incapabilities</a:t>
-            </a:r>
-            <a:endParaRPr lang="en-NZ" dirty="0"/>
-          </a:p>
-        </p:txBody>
-      </p:sp>
-      <p:sp>
-        <p:nvSpPr>
-          <p:cNvPr id="3" name="Content Placeholder 2"/>
-          <p:cNvSpPr>
-            <a:spLocks noGrp="1"/>
-          </p:cNvSpPr>
-          <p:nvPr>
-            <p:ph idx="1"/>
-          </p:nvPr>
-        </p:nvSpPr>
-        <p:spPr/>
-        <p:txBody>
-          <a:bodyPr/>
-          <a:lstStyle/>
-          <a:p>
-            <a:r>
-              <a:rPr lang="en-US" dirty="0" smtClean="0"/>
-              <a:t>Unable to complete data calls</a:t>
-            </a:r>
-          </a:p>
-          <a:p>
-            <a:pPr lvl="1"/>
-            <a:r>
-              <a:rPr lang="en-US" dirty="0" smtClean="0"/>
-              <a:t>Blocking working to a certain degree</a:t>
-            </a:r>
-          </a:p>
-          <a:p>
-            <a:pPr lvl="1"/>
-            <a:r>
-              <a:rPr lang="en-US" dirty="0" smtClean="0"/>
-              <a:t>Non Blocking not quite implemented</a:t>
-            </a:r>
-            <a:endParaRPr lang="en-NZ" dirty="0"/>
-          </a:p>
-        </p:txBody>
-      </p:sp>
-    </p:spTree>
-    <p:extLst>
-      <p:ext uri="{BB962C8B-B14F-4D97-AF65-F5344CB8AC3E}">
-        <p14:creationId xmlns:p14="http://schemas.microsoft.com/office/powerpoint/2010/main" val="2060475138"/>
-      </p:ext>
-    </p:extLst>
-  </p:cSld>
-  <p:clrMapOvr>
-    <a:masterClrMapping/>
-  </p:clrMapOvr>
-</p:sld>
-</file>
-
-<file path=ppt/slides/slide6.xml><?xml version="1.0" encoding="utf-8"?>
-<p:sld xmlns:a="http://schemas.openxmlformats.org/drawingml/2006/main" xmlns:r="http://schemas.openxmlformats.org/officeDocument/2006/relationships" xmlns:p="http://schemas.openxmlformats.org/presentationml/2006/main">
-  <p:cSld>
-    <p:spTree>
-      <p:nvGrpSpPr>
-        <p:cNvPr id="1" name=""/>
-        <p:cNvGrpSpPr/>
-        <p:nvPr/>
-      </p:nvGrpSpPr>
-      <p:grpSpPr>
-        <a:xfrm>
-          <a:off x="0" y="0"/>
-          <a:ext cx="0" cy="0"/>
-          <a:chOff x="0" y="0"/>
-          <a:chExt cx="0" cy="0"/>
-        </a:xfrm>
-      </p:grpSpPr>
-      <p:sp>
-        <p:nvSpPr>
-          <p:cNvPr id="2" name="Title 1"/>
-          <p:cNvSpPr>
-            <a:spLocks noGrp="1"/>
-          </p:cNvSpPr>
-          <p:nvPr>
-            <p:ph type="title"/>
-          </p:nvPr>
-        </p:nvSpPr>
-        <p:spPr/>
-        <p:txBody>
-          <a:bodyPr/>
-          <a:lstStyle/>
-          <a:p>
-            <a:r>
-              <a:rPr lang="en-US" dirty="0" smtClean="0"/>
-              <a:t>Ring Counter Simulation Results</a:t>
-            </a:r>
-            <a:endParaRPr lang="en-NZ" dirty="0"/>
-          </a:p>
-        </p:txBody>
-      </p:sp>
-      <p:sp>
-        <p:nvSpPr>
-          <p:cNvPr id="3" name="Content Placeholder 2"/>
-          <p:cNvSpPr>
-            <a:spLocks noGrp="1"/>
-          </p:cNvSpPr>
-          <p:nvPr>
-            <p:ph idx="1"/>
-          </p:nvPr>
-        </p:nvSpPr>
-        <p:spPr/>
-        <p:txBody>
-          <a:bodyPr/>
-          <a:lstStyle/>
-          <a:p>
-            <a:endParaRPr lang="en-NZ"/>
-          </a:p>
-        </p:txBody>
-      </p:sp>
-    </p:spTree>
-    <p:extLst>
-      <p:ext uri="{BB962C8B-B14F-4D97-AF65-F5344CB8AC3E}">
-        <p14:creationId xmlns:p14="http://schemas.microsoft.com/office/powerpoint/2010/main" val="2905183933"/>
-      </p:ext>
-    </p:extLst>
-  </p:cSld>
-  <p:clrMapOvr>
-    <a:masterClrMapping/>
-  </p:clrMapOvr>
-</p:sld>
-</file>
-
-<file path=ppt/slides/slide7.xml><?xml version="1.0" encoding="utf-8"?>
-<p:sld xmlns:a="http://schemas.openxmlformats.org/drawingml/2006/main" xmlns:r="http://schemas.openxmlformats.org/officeDocument/2006/relationships" xmlns:p="http://schemas.openxmlformats.org/presentationml/2006/main">
-  <p:cSld>
-    <p:spTree>
-      <p:nvGrpSpPr>
-        <p:cNvPr id="1" name=""/>
-        <p:cNvGrpSpPr/>
-        <p:nvPr/>
-      </p:nvGrpSpPr>
-      <p:grpSpPr>
-        <a:xfrm>
-          <a:off x="0" y="0"/>
-          <a:ext cx="0" cy="0"/>
-          <a:chOff x="0" y="0"/>
-          <a:chExt cx="0" cy="0"/>
-        </a:xfrm>
-      </p:grpSpPr>
-      <p:sp>
-        <p:nvSpPr>
-          <p:cNvPr id="2" name="Title 1"/>
-          <p:cNvSpPr>
-            <a:spLocks noGrp="1"/>
-          </p:cNvSpPr>
-          <p:nvPr>
-            <p:ph type="title"/>
-          </p:nvPr>
-        </p:nvSpPr>
-        <p:spPr/>
-        <p:txBody>
-          <a:bodyPr>
-            <a:normAutofit fontScale="90000"/>
-          </a:bodyPr>
-          <a:lstStyle/>
-          <a:p>
-            <a:r>
-              <a:rPr lang="en-US" dirty="0" smtClean="0"/>
-              <a:t>Ring Counter Synthesis Information</a:t>
-            </a:r>
-            <a:endParaRPr lang="en-NZ" dirty="0"/>
-          </a:p>
-        </p:txBody>
-      </p:sp>
-      <p:sp>
-        <p:nvSpPr>
-          <p:cNvPr id="3" name="Content Placeholder 2"/>
-          <p:cNvSpPr>
-            <a:spLocks noGrp="1"/>
-          </p:cNvSpPr>
-          <p:nvPr>
-            <p:ph idx="1"/>
-          </p:nvPr>
-        </p:nvSpPr>
-        <p:spPr/>
-        <p:txBody>
-          <a:bodyPr/>
-          <a:lstStyle/>
-          <a:p>
-            <a:r>
-              <a:rPr lang="en-US" dirty="0" smtClean="0"/>
-              <a:t>Resource Usage Count</a:t>
-            </a:r>
-          </a:p>
-          <a:p>
-            <a:pPr lvl="1"/>
-            <a:r>
-              <a:rPr lang="en-US" dirty="0" smtClean="0"/>
-              <a:t>LEs</a:t>
-            </a:r>
-          </a:p>
-          <a:p>
-            <a:pPr lvl="2"/>
-            <a:r>
-              <a:rPr lang="en-US" dirty="0" smtClean="0"/>
-              <a:t>852</a:t>
-            </a:r>
-            <a:endParaRPr lang="en-NZ" dirty="0" smtClean="0"/>
-          </a:p>
-          <a:p>
-            <a:r>
-              <a:rPr lang="en-US" dirty="0" smtClean="0"/>
-              <a:t>Maximum Operating Frequency</a:t>
-            </a:r>
-          </a:p>
-        </p:txBody>
-      </p:sp>
-    </p:spTree>
-    <p:extLst>
-      <p:ext uri="{BB962C8B-B14F-4D97-AF65-F5344CB8AC3E}">
-        <p14:creationId xmlns:p14="http://schemas.microsoft.com/office/powerpoint/2010/main" val="3822034495"/>
-      </p:ext>
-    </p:extLst>
-  </p:cSld>
-  <p:clrMapOvr>
-    <a:masterClrMapping/>
-  </p:clrMapOvr>
-</p:sld>
-</file>
-
-<file path=ppt/slides/slide8.xml><?xml version="1.0" encoding="utf-8"?>
-<p:sld xmlns:a="http://schemas.openxmlformats.org/drawingml/2006/main" xmlns:r="http://schemas.openxmlformats.org/officeDocument/2006/relationships" xmlns:p="http://schemas.openxmlformats.org/presentationml/2006/main">
-  <p:cSld>
-    <p:spTree>
-      <p:nvGrpSpPr>
-        <p:cNvPr id="1" name=""/>
-        <p:cNvGrpSpPr/>
-        <p:nvPr/>
-      </p:nvGrpSpPr>
-      <p:grpSpPr>
-        <a:xfrm>
-          <a:off x="0" y="0"/>
-          <a:ext cx="0" cy="0"/>
-          <a:chOff x="0" y="0"/>
-          <a:chExt cx="0" cy="0"/>
-        </a:xfrm>
-      </p:grpSpPr>
-      <p:sp>
-        <p:nvSpPr>
-          <p:cNvPr id="2" name="Title 1"/>
-          <p:cNvSpPr>
-            <a:spLocks noGrp="1"/>
-          </p:cNvSpPr>
-          <p:nvPr>
-            <p:ph type="title"/>
-          </p:nvPr>
-        </p:nvSpPr>
-        <p:spPr/>
-        <p:txBody>
-          <a:bodyPr/>
-          <a:lstStyle/>
-          <a:p>
-            <a:r>
-              <a:rPr lang="en-US" dirty="0" smtClean="0"/>
-              <a:t>Blocking Data Call Simulation</a:t>
-            </a:r>
-            <a:endParaRPr lang="en-NZ" dirty="0"/>
-          </a:p>
-        </p:txBody>
-      </p:sp>
-      <p:pic>
-        <p:nvPicPr>
-          <p:cNvPr id="1027" name="Picture 3"/>
-          <p:cNvPicPr>
-            <a:picLocks noGrp="1" noChangeAspect="1" noChangeArrowheads="1"/>
-          </p:cNvPicPr>
-          <p:nvPr>
-            <p:ph idx="1"/>
-          </p:nvPr>
-        </p:nvPicPr>
-        <p:blipFill>
-          <a:blip r:embed="rId2">
-            <a:extLst>
-              <a:ext uri="{28A0092B-C50C-407E-A947-70E740481C1C}">
-                <a14:useLocalDpi xmlns:a14="http://schemas.microsoft.com/office/drawing/2010/main" val="0"/>
-              </a:ext>
-            </a:extLst>
-          </a:blip>
-          <a:srcRect/>
-          <a:stretch>
-            <a:fillRect/>
-          </a:stretch>
-        </p:blipFill>
-        <p:spPr bwMode="auto">
-          <a:xfrm>
-            <a:off x="457200" y="2456357"/>
-            <a:ext cx="8229600" cy="3347049"/>
-          </a:xfrm>
-          <a:prstGeom prst="rect">
-            <a:avLst/>
-          </a:prstGeom>
-          <a:noFill/>
-          <a:ln>
-            <a:noFill/>
-          </a:ln>
-          <a:extLst>
-            <a:ext uri="{909E8E84-426E-40DD-AFC4-6F175D3DCCD1}">
-              <a14:hiddenFill xmlns:a14="http://schemas.microsoft.com/office/drawing/2010/main">
-                <a:solidFill>
-                  <a:schemeClr val="accent1"/>
-                </a:solidFill>
-              </a14:hiddenFill>
-            </a:ext>
-            <a:ext uri="{91240B29-F687-4F45-9708-019B960494DF}">
-              <a14:hiddenLine xmlns:a14="http://schemas.microsoft.com/office/drawing/2010/main" w="9525">
-                <a:solidFill>
-                  <a:schemeClr val="tx1"/>
-                </a:solidFill>
-                <a:miter lim="800000"/>
-                <a:headEnd/>
-                <a:tailEnd/>
-              </a14:hiddenLine>
-            </a:ext>
-          </a:extLst>
-        </p:spPr>
-      </p:pic>
-    </p:spTree>
-    <p:extLst>
-      <p:ext uri="{BB962C8B-B14F-4D97-AF65-F5344CB8AC3E}">
-        <p14:creationId xmlns:p14="http://schemas.microsoft.com/office/powerpoint/2010/main" val="1426433349"/>
-      </p:ext>
-    </p:extLst>
-  </p:cSld>
-  <p:clrMapOvr>
-    <a:masterClrMapping/>
-  </p:clrMapOvr>
-</p:sld>
-</file>
-
-<file path=ppt/slides/slide9.xml><?xml version="1.0" encoding="utf-8"?>
+<file path=ppt/slides/slide11.xml><?xml version="1.0" encoding="utf-8"?>
 <p:sld xmlns:a="http://schemas.openxmlformats.org/drawingml/2006/main" xmlns:r="http://schemas.openxmlformats.org/officeDocument/2006/relationships" xmlns:p="http://schemas.openxmlformats.org/presentationml/2006/main">
   <p:cSld>
     <p:spTree>
@@ -4825,6 +4306,749 @@
     <p:extLst>
       <p:ext uri="{BB962C8B-B14F-4D97-AF65-F5344CB8AC3E}">
         <p14:creationId xmlns:p14="http://schemas.microsoft.com/office/powerpoint/2010/main" val="4253640635"/>
+      </p:ext>
+    </p:extLst>
+  </p:cSld>
+  <p:clrMapOvr>
+    <a:masterClrMapping/>
+  </p:clrMapOvr>
+  <p:timing>
+    <p:tnLst>
+      <p:par>
+        <p:cTn id="1" dur="indefinite" restart="never" nodeType="tmRoot"/>
+      </p:par>
+    </p:tnLst>
+  </p:timing>
+</p:sld>
+</file>
+
+<file path=ppt/slides/slide2.xml><?xml version="1.0" encoding="utf-8"?>
+<p:sld xmlns:a="http://schemas.openxmlformats.org/drawingml/2006/main" xmlns:r="http://schemas.openxmlformats.org/officeDocument/2006/relationships" xmlns:p="http://schemas.openxmlformats.org/presentationml/2006/main">
+  <p:cSld>
+    <p:spTree>
+      <p:nvGrpSpPr>
+        <p:cNvPr id="1" name=""/>
+        <p:cNvGrpSpPr/>
+        <p:nvPr/>
+      </p:nvGrpSpPr>
+      <p:grpSpPr>
+        <a:xfrm>
+          <a:off x="0" y="0"/>
+          <a:ext cx="0" cy="0"/>
+          <a:chOff x="0" y="0"/>
+          <a:chExt cx="0" cy="0"/>
+        </a:xfrm>
+      </p:grpSpPr>
+      <p:sp>
+        <p:nvSpPr>
+          <p:cNvPr id="2" name="Title 1"/>
+          <p:cNvSpPr>
+            <a:spLocks noGrp="1"/>
+          </p:cNvSpPr>
+          <p:nvPr>
+            <p:ph type="title"/>
+          </p:nvPr>
+        </p:nvSpPr>
+        <p:spPr/>
+        <p:txBody>
+          <a:bodyPr>
+            <a:normAutofit fontScale="90000"/>
+          </a:bodyPr>
+          <a:lstStyle/>
+          <a:p>
+            <a:r>
+              <a:rPr lang="en-US" dirty="0" smtClean="0"/>
+              <a:t>Differences between Phases 1 &amp;2</a:t>
+            </a:r>
+            <a:endParaRPr lang="en-NZ" dirty="0"/>
+          </a:p>
+        </p:txBody>
+      </p:sp>
+      <p:sp>
+        <p:nvSpPr>
+          <p:cNvPr id="3" name="Content Placeholder 2"/>
+          <p:cNvSpPr>
+            <a:spLocks noGrp="1"/>
+          </p:cNvSpPr>
+          <p:nvPr>
+            <p:ph idx="1"/>
+          </p:nvPr>
+        </p:nvSpPr>
+        <p:spPr/>
+        <p:txBody>
+          <a:bodyPr/>
+          <a:lstStyle/>
+          <a:p>
+            <a:endParaRPr lang="en-NZ" dirty="0"/>
+          </a:p>
+        </p:txBody>
+      </p:sp>
+    </p:spTree>
+    <p:extLst>
+      <p:ext uri="{BB962C8B-B14F-4D97-AF65-F5344CB8AC3E}">
+        <p14:creationId xmlns:p14="http://schemas.microsoft.com/office/powerpoint/2010/main" val="1916433675"/>
+      </p:ext>
+    </p:extLst>
+  </p:cSld>
+  <p:clrMapOvr>
+    <a:masterClrMapping/>
+  </p:clrMapOvr>
+</p:sld>
+</file>
+
+<file path=ppt/slides/slide3.xml><?xml version="1.0" encoding="utf-8"?>
+<p:sld xmlns:a="http://schemas.openxmlformats.org/drawingml/2006/main" xmlns:r="http://schemas.openxmlformats.org/officeDocument/2006/relationships" xmlns:p="http://schemas.openxmlformats.org/presentationml/2006/main">
+  <p:cSld>
+    <p:spTree>
+      <p:nvGrpSpPr>
+        <p:cNvPr id="1" name=""/>
+        <p:cNvGrpSpPr/>
+        <p:nvPr/>
+      </p:nvGrpSpPr>
+      <p:grpSpPr>
+        <a:xfrm>
+          <a:off x="0" y="0"/>
+          <a:ext cx="0" cy="0"/>
+          <a:chOff x="0" y="0"/>
+          <a:chExt cx="0" cy="0"/>
+        </a:xfrm>
+      </p:grpSpPr>
+      <p:sp>
+        <p:nvSpPr>
+          <p:cNvPr id="2" name="Title 1"/>
+          <p:cNvSpPr>
+            <a:spLocks noGrp="1"/>
+          </p:cNvSpPr>
+          <p:nvPr>
+            <p:ph type="title"/>
+          </p:nvPr>
+        </p:nvSpPr>
+        <p:spPr/>
+        <p:txBody>
+          <a:bodyPr>
+            <a:normAutofit fontScale="90000"/>
+          </a:bodyPr>
+          <a:lstStyle/>
+          <a:p>
+            <a:r>
+              <a:rPr lang="en-US" dirty="0" smtClean="0"/>
+              <a:t>Differences between </a:t>
+            </a:r>
+            <a:r>
+              <a:rPr lang="en-US" dirty="0" err="1" smtClean="0"/>
+              <a:t>SystemC</a:t>
+            </a:r>
+            <a:r>
+              <a:rPr lang="en-US" dirty="0" smtClean="0"/>
+              <a:t> and VHDL</a:t>
+            </a:r>
+            <a:endParaRPr lang="en-NZ" dirty="0"/>
+          </a:p>
+        </p:txBody>
+      </p:sp>
+      <p:sp>
+        <p:nvSpPr>
+          <p:cNvPr id="3" name="Content Placeholder 2"/>
+          <p:cNvSpPr>
+            <a:spLocks noGrp="1"/>
+          </p:cNvSpPr>
+          <p:nvPr>
+            <p:ph idx="1"/>
+          </p:nvPr>
+        </p:nvSpPr>
+        <p:spPr/>
+        <p:txBody>
+          <a:bodyPr/>
+          <a:lstStyle/>
+          <a:p>
+            <a:endParaRPr lang="en-NZ" dirty="0"/>
+          </a:p>
+        </p:txBody>
+      </p:sp>
+    </p:spTree>
+    <p:extLst>
+      <p:ext uri="{BB962C8B-B14F-4D97-AF65-F5344CB8AC3E}">
+        <p14:creationId xmlns:p14="http://schemas.microsoft.com/office/powerpoint/2010/main" val="3753341240"/>
+      </p:ext>
+    </p:extLst>
+  </p:cSld>
+  <p:clrMapOvr>
+    <a:masterClrMapping/>
+  </p:clrMapOvr>
+</p:sld>
+</file>
+
+<file path=ppt/slides/slide4.xml><?xml version="1.0" encoding="utf-8"?>
+<p:sld xmlns:a="http://schemas.openxmlformats.org/drawingml/2006/main" xmlns:r="http://schemas.openxmlformats.org/officeDocument/2006/relationships" xmlns:p="http://schemas.openxmlformats.org/presentationml/2006/main">
+  <p:cSld>
+    <p:spTree>
+      <p:nvGrpSpPr>
+        <p:cNvPr id="1" name=""/>
+        <p:cNvGrpSpPr/>
+        <p:nvPr/>
+      </p:nvGrpSpPr>
+      <p:grpSpPr>
+        <a:xfrm>
+          <a:off x="0" y="0"/>
+          <a:ext cx="0" cy="0"/>
+          <a:chOff x="0" y="0"/>
+          <a:chExt cx="0" cy="0"/>
+        </a:xfrm>
+      </p:grpSpPr>
+      <p:sp>
+        <p:nvSpPr>
+          <p:cNvPr id="2" name="Title 1"/>
+          <p:cNvSpPr>
+            <a:spLocks noGrp="1"/>
+          </p:cNvSpPr>
+          <p:nvPr>
+            <p:ph type="title"/>
+          </p:nvPr>
+        </p:nvSpPr>
+        <p:spPr/>
+        <p:txBody>
+          <a:bodyPr/>
+          <a:lstStyle/>
+          <a:p>
+            <a:r>
+              <a:rPr lang="en-US" dirty="0" err="1" smtClean="0"/>
+              <a:t>Recop</a:t>
+            </a:r>
+            <a:r>
+              <a:rPr lang="en-US" dirty="0" smtClean="0"/>
+              <a:t> Capabilities</a:t>
+            </a:r>
+            <a:endParaRPr lang="en-NZ" dirty="0"/>
+          </a:p>
+        </p:txBody>
+      </p:sp>
+      <p:sp>
+        <p:nvSpPr>
+          <p:cNvPr id="3" name="Content Placeholder 2"/>
+          <p:cNvSpPr>
+            <a:spLocks noGrp="1"/>
+          </p:cNvSpPr>
+          <p:nvPr>
+            <p:ph idx="1"/>
+          </p:nvPr>
+        </p:nvSpPr>
+        <p:spPr/>
+        <p:txBody>
+          <a:bodyPr/>
+          <a:lstStyle/>
+          <a:p>
+            <a:r>
+              <a:rPr lang="en-US" dirty="0" smtClean="0"/>
+              <a:t>Instructions relating to the ring counter</a:t>
+            </a:r>
+          </a:p>
+          <a:p>
+            <a:pPr lvl="1"/>
+            <a:r>
+              <a:rPr lang="en-US" dirty="0" smtClean="0"/>
+              <a:t>Load, ALU operations, Jump </a:t>
+            </a:r>
+            <a:r>
+              <a:rPr lang="en-US" dirty="0" err="1" smtClean="0"/>
+              <a:t>etc</a:t>
+            </a:r>
+            <a:endParaRPr lang="en-US" dirty="0" smtClean="0"/>
+          </a:p>
+          <a:p>
+            <a:endParaRPr lang="en-NZ" dirty="0"/>
+          </a:p>
+        </p:txBody>
+      </p:sp>
+    </p:spTree>
+    <p:extLst>
+      <p:ext uri="{BB962C8B-B14F-4D97-AF65-F5344CB8AC3E}">
+        <p14:creationId xmlns:p14="http://schemas.microsoft.com/office/powerpoint/2010/main" val="2622890681"/>
+      </p:ext>
+    </p:extLst>
+  </p:cSld>
+  <p:clrMapOvr>
+    <a:masterClrMapping/>
+  </p:clrMapOvr>
+</p:sld>
+</file>
+
+<file path=ppt/slides/slide5.xml><?xml version="1.0" encoding="utf-8"?>
+<p:sld xmlns:a="http://schemas.openxmlformats.org/drawingml/2006/main" xmlns:r="http://schemas.openxmlformats.org/officeDocument/2006/relationships" xmlns:p="http://schemas.openxmlformats.org/presentationml/2006/main">
+  <p:cSld>
+    <p:spTree>
+      <p:nvGrpSpPr>
+        <p:cNvPr id="1" name=""/>
+        <p:cNvGrpSpPr/>
+        <p:nvPr/>
+      </p:nvGrpSpPr>
+      <p:grpSpPr>
+        <a:xfrm>
+          <a:off x="0" y="0"/>
+          <a:ext cx="0" cy="0"/>
+          <a:chOff x="0" y="0"/>
+          <a:chExt cx="0" cy="0"/>
+        </a:xfrm>
+      </p:grpSpPr>
+      <p:sp>
+        <p:nvSpPr>
+          <p:cNvPr id="2" name="Title 1"/>
+          <p:cNvSpPr>
+            <a:spLocks noGrp="1"/>
+          </p:cNvSpPr>
+          <p:nvPr>
+            <p:ph type="title"/>
+          </p:nvPr>
+        </p:nvSpPr>
+        <p:spPr/>
+        <p:txBody>
+          <a:bodyPr>
+            <a:normAutofit/>
+          </a:bodyPr>
+          <a:lstStyle/>
+          <a:p>
+            <a:r>
+              <a:rPr lang="en-US" dirty="0" err="1" smtClean="0"/>
+              <a:t>Recop</a:t>
+            </a:r>
+            <a:r>
+              <a:rPr lang="en-US" dirty="0" smtClean="0"/>
+              <a:t> </a:t>
+            </a:r>
+            <a:r>
+              <a:rPr lang="en-US" dirty="0" err="1" smtClean="0"/>
+              <a:t>Incapabilities</a:t>
+            </a:r>
+            <a:endParaRPr lang="en-NZ" dirty="0"/>
+          </a:p>
+        </p:txBody>
+      </p:sp>
+      <p:sp>
+        <p:nvSpPr>
+          <p:cNvPr id="3" name="Content Placeholder 2"/>
+          <p:cNvSpPr>
+            <a:spLocks noGrp="1"/>
+          </p:cNvSpPr>
+          <p:nvPr>
+            <p:ph idx="1"/>
+          </p:nvPr>
+        </p:nvSpPr>
+        <p:spPr/>
+        <p:txBody>
+          <a:bodyPr/>
+          <a:lstStyle/>
+          <a:p>
+            <a:r>
+              <a:rPr lang="en-US" dirty="0" smtClean="0"/>
+              <a:t>Unable to complete data calls</a:t>
+            </a:r>
+          </a:p>
+          <a:p>
+            <a:pPr lvl="1"/>
+            <a:r>
+              <a:rPr lang="en-US" dirty="0" smtClean="0"/>
+              <a:t>Blocking working to a certain degree</a:t>
+            </a:r>
+          </a:p>
+          <a:p>
+            <a:pPr lvl="1"/>
+            <a:r>
+              <a:rPr lang="en-US" dirty="0" smtClean="0"/>
+              <a:t>Non Blocking not quite implemented</a:t>
+            </a:r>
+            <a:endParaRPr lang="en-NZ" dirty="0"/>
+          </a:p>
+        </p:txBody>
+      </p:sp>
+    </p:spTree>
+    <p:extLst>
+      <p:ext uri="{BB962C8B-B14F-4D97-AF65-F5344CB8AC3E}">
+        <p14:creationId xmlns:p14="http://schemas.microsoft.com/office/powerpoint/2010/main" val="2060475138"/>
+      </p:ext>
+    </p:extLst>
+  </p:cSld>
+  <p:clrMapOvr>
+    <a:masterClrMapping/>
+  </p:clrMapOvr>
+</p:sld>
+</file>
+
+<file path=ppt/slides/slide6.xml><?xml version="1.0" encoding="utf-8"?>
+<p:sld xmlns:a="http://schemas.openxmlformats.org/drawingml/2006/main" xmlns:r="http://schemas.openxmlformats.org/officeDocument/2006/relationships" xmlns:p="http://schemas.openxmlformats.org/presentationml/2006/main">
+  <p:cSld>
+    <p:spTree>
+      <p:nvGrpSpPr>
+        <p:cNvPr id="1" name=""/>
+        <p:cNvGrpSpPr/>
+        <p:nvPr/>
+      </p:nvGrpSpPr>
+      <p:grpSpPr>
+        <a:xfrm>
+          <a:off x="0" y="0"/>
+          <a:ext cx="0" cy="0"/>
+          <a:chOff x="0" y="0"/>
+          <a:chExt cx="0" cy="0"/>
+        </a:xfrm>
+      </p:grpSpPr>
+      <p:sp>
+        <p:nvSpPr>
+          <p:cNvPr id="2" name="Title 1"/>
+          <p:cNvSpPr>
+            <a:spLocks noGrp="1"/>
+          </p:cNvSpPr>
+          <p:nvPr>
+            <p:ph type="title"/>
+          </p:nvPr>
+        </p:nvSpPr>
+        <p:spPr/>
+        <p:txBody>
+          <a:bodyPr/>
+          <a:lstStyle/>
+          <a:p>
+            <a:r>
+              <a:rPr lang="en-US" dirty="0" smtClean="0"/>
+              <a:t>Ring Counter Simulation Results</a:t>
+            </a:r>
+            <a:endParaRPr lang="en-NZ" dirty="0"/>
+          </a:p>
+        </p:txBody>
+      </p:sp>
+      <p:sp>
+        <p:nvSpPr>
+          <p:cNvPr id="3" name="Content Placeholder 2"/>
+          <p:cNvSpPr>
+            <a:spLocks noGrp="1"/>
+          </p:cNvSpPr>
+          <p:nvPr>
+            <p:ph idx="1"/>
+          </p:nvPr>
+        </p:nvSpPr>
+        <p:spPr/>
+        <p:txBody>
+          <a:bodyPr/>
+          <a:lstStyle/>
+          <a:p>
+            <a:endParaRPr lang="en-NZ"/>
+          </a:p>
+        </p:txBody>
+      </p:sp>
+    </p:spTree>
+    <p:extLst>
+      <p:ext uri="{BB962C8B-B14F-4D97-AF65-F5344CB8AC3E}">
+        <p14:creationId xmlns:p14="http://schemas.microsoft.com/office/powerpoint/2010/main" val="2905183933"/>
+      </p:ext>
+    </p:extLst>
+  </p:cSld>
+  <p:clrMapOvr>
+    <a:masterClrMapping/>
+  </p:clrMapOvr>
+</p:sld>
+</file>
+
+<file path=ppt/slides/slide7.xml><?xml version="1.0" encoding="utf-8"?>
+<p:sld xmlns:a="http://schemas.openxmlformats.org/drawingml/2006/main" xmlns:r="http://schemas.openxmlformats.org/officeDocument/2006/relationships" xmlns:p="http://schemas.openxmlformats.org/presentationml/2006/main">
+  <p:cSld>
+    <p:spTree>
+      <p:nvGrpSpPr>
+        <p:cNvPr id="1" name=""/>
+        <p:cNvGrpSpPr/>
+        <p:nvPr/>
+      </p:nvGrpSpPr>
+      <p:grpSpPr>
+        <a:xfrm>
+          <a:off x="0" y="0"/>
+          <a:ext cx="0" cy="0"/>
+          <a:chOff x="0" y="0"/>
+          <a:chExt cx="0" cy="0"/>
+        </a:xfrm>
+      </p:grpSpPr>
+      <p:sp>
+        <p:nvSpPr>
+          <p:cNvPr id="2" name="Title 1"/>
+          <p:cNvSpPr>
+            <a:spLocks noGrp="1"/>
+          </p:cNvSpPr>
+          <p:nvPr>
+            <p:ph type="title"/>
+          </p:nvPr>
+        </p:nvSpPr>
+        <p:spPr/>
+        <p:txBody>
+          <a:bodyPr>
+            <a:normAutofit/>
+          </a:bodyPr>
+          <a:lstStyle/>
+          <a:p>
+            <a:r>
+              <a:rPr lang="en-US" dirty="0" smtClean="0"/>
+              <a:t>Ring Counter Synthesis </a:t>
+            </a:r>
+            <a:r>
+              <a:rPr lang="en-US" dirty="0" smtClean="0"/>
+              <a:t>Results</a:t>
+            </a:r>
+            <a:endParaRPr lang="en-NZ" dirty="0"/>
+          </a:p>
+        </p:txBody>
+      </p:sp>
+      <p:sp>
+        <p:nvSpPr>
+          <p:cNvPr id="3" name="Content Placeholder 2"/>
+          <p:cNvSpPr>
+            <a:spLocks noGrp="1"/>
+          </p:cNvSpPr>
+          <p:nvPr>
+            <p:ph idx="1"/>
+          </p:nvPr>
+        </p:nvSpPr>
+        <p:spPr/>
+        <p:txBody>
+          <a:bodyPr/>
+          <a:lstStyle/>
+          <a:p>
+            <a:r>
+              <a:rPr lang="en-US" dirty="0" smtClean="0"/>
+              <a:t>Resource Usage Count</a:t>
+            </a:r>
+          </a:p>
+          <a:p>
+            <a:pPr lvl="1"/>
+            <a:r>
+              <a:rPr lang="en-US" dirty="0" smtClean="0"/>
+              <a:t>LEs</a:t>
+            </a:r>
+          </a:p>
+          <a:p>
+            <a:pPr lvl="2"/>
+            <a:r>
+              <a:rPr lang="en-US" dirty="0" smtClean="0"/>
+              <a:t>852</a:t>
+            </a:r>
+            <a:endParaRPr lang="en-NZ" dirty="0" smtClean="0"/>
+          </a:p>
+          <a:p>
+            <a:r>
+              <a:rPr lang="en-US" dirty="0" smtClean="0"/>
+              <a:t>Maximum Operating Frequency</a:t>
+            </a:r>
+          </a:p>
+        </p:txBody>
+      </p:sp>
+    </p:spTree>
+    <p:extLst>
+      <p:ext uri="{BB962C8B-B14F-4D97-AF65-F5344CB8AC3E}">
+        <p14:creationId xmlns:p14="http://schemas.microsoft.com/office/powerpoint/2010/main" val="3822034495"/>
+      </p:ext>
+    </p:extLst>
+  </p:cSld>
+  <p:clrMapOvr>
+    <a:masterClrMapping/>
+  </p:clrMapOvr>
+  <p:timing>
+    <p:tnLst>
+      <p:par>
+        <p:cTn id="1" dur="indefinite" restart="never" nodeType="tmRoot"/>
+      </p:par>
+    </p:tnLst>
+  </p:timing>
+</p:sld>
+</file>
+
+<file path=ppt/slides/slide8.xml><?xml version="1.0" encoding="utf-8"?>
+<p:sld xmlns:a="http://schemas.openxmlformats.org/drawingml/2006/main" xmlns:r="http://schemas.openxmlformats.org/officeDocument/2006/relationships" xmlns:p="http://schemas.openxmlformats.org/presentationml/2006/main">
+  <p:cSld>
+    <p:spTree>
+      <p:nvGrpSpPr>
+        <p:cNvPr id="1" name=""/>
+        <p:cNvGrpSpPr/>
+        <p:nvPr/>
+      </p:nvGrpSpPr>
+      <p:grpSpPr>
+        <a:xfrm>
+          <a:off x="0" y="0"/>
+          <a:ext cx="0" cy="0"/>
+          <a:chOff x="0" y="0"/>
+          <a:chExt cx="0" cy="0"/>
+        </a:xfrm>
+      </p:grpSpPr>
+      <p:sp>
+        <p:nvSpPr>
+          <p:cNvPr id="2" name="Title 1"/>
+          <p:cNvSpPr>
+            <a:spLocks noGrp="1"/>
+          </p:cNvSpPr>
+          <p:nvPr>
+            <p:ph type="title"/>
+          </p:nvPr>
+        </p:nvSpPr>
+        <p:spPr/>
+        <p:txBody>
+          <a:bodyPr/>
+          <a:lstStyle/>
+          <a:p>
+            <a:r>
+              <a:rPr lang="en-US" dirty="0" smtClean="0"/>
+              <a:t>Blocking Data Call Simulation</a:t>
+            </a:r>
+            <a:endParaRPr lang="en-NZ" dirty="0"/>
+          </a:p>
+        </p:txBody>
+      </p:sp>
+      <p:pic>
+        <p:nvPicPr>
+          <p:cNvPr id="1026" name="Picture 2"/>
+          <p:cNvPicPr>
+            <a:picLocks noChangeAspect="1" noChangeArrowheads="1"/>
+          </p:cNvPicPr>
+          <p:nvPr/>
+        </p:nvPicPr>
+        <p:blipFill>
+          <a:blip r:embed="rId2">
+            <a:extLst>
+              <a:ext uri="{28A0092B-C50C-407E-A947-70E740481C1C}">
+                <a14:useLocalDpi xmlns:a14="http://schemas.microsoft.com/office/drawing/2010/main" val="0"/>
+              </a:ext>
+            </a:extLst>
+          </a:blip>
+          <a:srcRect/>
+          <a:stretch>
+            <a:fillRect/>
+          </a:stretch>
+        </p:blipFill>
+        <p:spPr bwMode="auto">
+          <a:xfrm>
+            <a:off x="152400" y="2133600"/>
+            <a:ext cx="8793290" cy="3276600"/>
+          </a:xfrm>
+          <a:prstGeom prst="rect">
+            <a:avLst/>
+          </a:prstGeom>
+          <a:noFill/>
+          <a:ln>
+            <a:noFill/>
+          </a:ln>
+          <a:extLst>
+            <a:ext uri="{909E8E84-426E-40DD-AFC4-6F175D3DCCD1}">
+              <a14:hiddenFill xmlns:a14="http://schemas.microsoft.com/office/drawing/2010/main">
+                <a:solidFill>
+                  <a:schemeClr val="accent1"/>
+                </a:solidFill>
+              </a14:hiddenFill>
+            </a:ext>
+            <a:ext uri="{91240B29-F687-4F45-9708-019B960494DF}">
+              <a14:hiddenLine xmlns:a14="http://schemas.microsoft.com/office/drawing/2010/main" w="9525">
+                <a:solidFill>
+                  <a:schemeClr val="tx1"/>
+                </a:solidFill>
+                <a:miter lim="800000"/>
+                <a:headEnd/>
+                <a:tailEnd/>
+              </a14:hiddenLine>
+            </a:ext>
+          </a:extLst>
+        </p:spPr>
+      </p:pic>
+      <p:sp>
+        <p:nvSpPr>
+          <p:cNvPr id="3" name="Content Placeholder 2"/>
+          <p:cNvSpPr>
+            <a:spLocks noGrp="1"/>
+          </p:cNvSpPr>
+          <p:nvPr>
+            <p:ph idx="1"/>
+          </p:nvPr>
+        </p:nvSpPr>
+        <p:spPr/>
+        <p:txBody>
+          <a:bodyPr/>
+          <a:lstStyle/>
+          <a:p>
+            <a:endParaRPr lang="en-NZ" dirty="0"/>
+          </a:p>
+        </p:txBody>
+      </p:sp>
+    </p:spTree>
+    <p:extLst>
+      <p:ext uri="{BB962C8B-B14F-4D97-AF65-F5344CB8AC3E}">
+        <p14:creationId xmlns:p14="http://schemas.microsoft.com/office/powerpoint/2010/main" val="1426433349"/>
+      </p:ext>
+    </p:extLst>
+  </p:cSld>
+  <p:clrMapOvr>
+    <a:masterClrMapping/>
+  </p:clrMapOvr>
+  <p:timing>
+    <p:tnLst>
+      <p:par>
+        <p:cTn id="1" dur="indefinite" restart="never" nodeType="tmRoot"/>
+      </p:par>
+    </p:tnLst>
+  </p:timing>
+</p:sld>
+</file>
+
+<file path=ppt/slides/slide9.xml><?xml version="1.0" encoding="utf-8"?>
+<p:sld xmlns:a="http://schemas.openxmlformats.org/drawingml/2006/main" xmlns:r="http://schemas.openxmlformats.org/officeDocument/2006/relationships" xmlns:p="http://schemas.openxmlformats.org/presentationml/2006/main">
+  <p:cSld>
+    <p:spTree>
+      <p:nvGrpSpPr>
+        <p:cNvPr id="1" name=""/>
+        <p:cNvGrpSpPr/>
+        <p:nvPr/>
+      </p:nvGrpSpPr>
+      <p:grpSpPr>
+        <a:xfrm>
+          <a:off x="0" y="0"/>
+          <a:ext cx="0" cy="0"/>
+          <a:chOff x="0" y="0"/>
+          <a:chExt cx="0" cy="0"/>
+        </a:xfrm>
+      </p:grpSpPr>
+      <p:sp>
+        <p:nvSpPr>
+          <p:cNvPr id="2" name="Title 1"/>
+          <p:cNvSpPr>
+            <a:spLocks noGrp="1"/>
+          </p:cNvSpPr>
+          <p:nvPr>
+            <p:ph type="title"/>
+          </p:nvPr>
+        </p:nvSpPr>
+        <p:spPr/>
+        <p:txBody>
+          <a:bodyPr/>
+          <a:lstStyle/>
+          <a:p>
+            <a:r>
+              <a:rPr lang="en-US" dirty="0" smtClean="0"/>
+              <a:t>Blocking Call Synthesis Results</a:t>
+            </a:r>
+            <a:endParaRPr lang="en-NZ" dirty="0"/>
+          </a:p>
+        </p:txBody>
+      </p:sp>
+      <p:sp>
+        <p:nvSpPr>
+          <p:cNvPr id="3" name="Content Placeholder 2"/>
+          <p:cNvSpPr>
+            <a:spLocks noGrp="1"/>
+          </p:cNvSpPr>
+          <p:nvPr>
+            <p:ph idx="1"/>
+          </p:nvPr>
+        </p:nvSpPr>
+        <p:spPr/>
+        <p:txBody>
+          <a:bodyPr/>
+          <a:lstStyle/>
+          <a:p>
+            <a:endParaRPr lang="en-NZ"/>
+          </a:p>
+        </p:txBody>
+      </p:sp>
+    </p:spTree>
+    <p:extLst>
+      <p:ext uri="{BB962C8B-B14F-4D97-AF65-F5344CB8AC3E}">
+        <p14:creationId xmlns:p14="http://schemas.microsoft.com/office/powerpoint/2010/main" val="2921614482"/>
       </p:ext>
     </p:extLst>
   </p:cSld>
